--- a/presentation/Team_TAM_CaseStudy01.pptx
+++ b/presentation/Team_TAM_CaseStudy01.pptx
@@ -5,29 +5,31 @@
     <p:sldMasterId id="2147483669" r:id="rId1"/>
   </p:sldMasterIdLst>
   <p:notesMasterIdLst>
-    <p:notesMasterId r:id="rId8"/>
+    <p:notesMasterId r:id="rId10"/>
   </p:notesMasterIdLst>
   <p:sldIdLst>
     <p:sldId id="256" r:id="rId2"/>
     <p:sldId id="257" r:id="rId3"/>
     <p:sldId id="258" r:id="rId4"/>
-    <p:sldId id="267" r:id="rId5"/>
-    <p:sldId id="278" r:id="rId6"/>
-    <p:sldId id="306" r:id="rId7"/>
+    <p:sldId id="307" r:id="rId5"/>
+    <p:sldId id="308" r:id="rId6"/>
+    <p:sldId id="267" r:id="rId7"/>
+    <p:sldId id="278" r:id="rId8"/>
+    <p:sldId id="306" r:id="rId9"/>
   </p:sldIdLst>
   <p:sldSz cx="12192000" cy="6858000"/>
   <p:notesSz cx="6858000" cy="9144000"/>
   <p:embeddedFontLst>
     <p:embeddedFont>
       <p:font typeface="Arial Black" panose="020B0A04020102020204" pitchFamily="34" charset="0"/>
-      <p:bold r:id="rId9"/>
+      <p:bold r:id="rId11"/>
     </p:embeddedFont>
     <p:embeddedFont>
       <p:font typeface="Calibri" panose="020F0502020204030204" pitchFamily="34" charset="0"/>
-      <p:regular r:id="rId10"/>
-      <p:bold r:id="rId11"/>
-      <p:italic r:id="rId12"/>
-      <p:boldItalic r:id="rId13"/>
+      <p:regular r:id="rId12"/>
+      <p:bold r:id="rId13"/>
+      <p:italic r:id="rId14"/>
+      <p:boldItalic r:id="rId15"/>
     </p:embeddedFont>
   </p:embeddedFontLst>
   <p:defaultTextStyle>
@@ -1769,6 +1771,110 @@
   <p:cSld>
     <p:spTree>
       <p:nvGrpSpPr>
+        <p:cNvPr id="1" name="Shape 258"/>
+        <p:cNvGrpSpPr/>
+        <p:nvPr/>
+      </p:nvGrpSpPr>
+      <p:grpSpPr>
+        <a:xfrm>
+          <a:off x="0" y="0"/>
+          <a:ext cx="0" cy="0"/>
+          <a:chOff x="0" y="0"/>
+          <a:chExt cx="0" cy="0"/>
+        </a:xfrm>
+      </p:grpSpPr>
+      <p:sp>
+        <p:nvSpPr>
+          <p:cNvPr id="259" name="Google Shape;259;p23:notes"/>
+          <p:cNvSpPr txBox="1">
+            <a:spLocks noGrp="1"/>
+          </p:cNvSpPr>
+          <p:nvPr>
+            <p:ph type="body" idx="1"/>
+          </p:nvPr>
+        </p:nvSpPr>
+        <p:spPr>
+          <a:xfrm>
+            <a:off x="685800" y="4400550"/>
+            <a:ext cx="5486400" cy="3600450"/>
+          </a:xfrm>
+          <a:prstGeom prst="rect">
+            <a:avLst/>
+          </a:prstGeom>
+        </p:spPr>
+        <p:txBody>
+          <a:bodyPr spcFirstLastPara="1" wrap="square" lIns="91425" tIns="45700" rIns="91425" bIns="45700" anchor="t" anchorCtr="0">
+            <a:noAutofit/>
+          </a:bodyPr>
+          <a:lstStyle/>
+          <a:p>
+            <a:pPr marL="0" lvl="0" indent="0" algn="l" rtl="0">
+              <a:spcBef>
+                <a:spcPts val="0"/>
+              </a:spcBef>
+              <a:spcAft>
+                <a:spcPts val="0"/>
+              </a:spcAft>
+              <a:buNone/>
+            </a:pPr>
+            <a:endParaRPr/>
+          </a:p>
+        </p:txBody>
+      </p:sp>
+      <p:sp>
+        <p:nvSpPr>
+          <p:cNvPr id="260" name="Google Shape;260;p23:notes"/>
+          <p:cNvSpPr>
+            <a:spLocks noGrp="1" noRot="1" noChangeAspect="1"/>
+          </p:cNvSpPr>
+          <p:nvPr>
+            <p:ph type="sldImg" idx="2"/>
+          </p:nvPr>
+        </p:nvSpPr>
+        <p:spPr>
+          <a:xfrm>
+            <a:off x="685800" y="1143000"/>
+            <a:ext cx="5486400" cy="3086100"/>
+          </a:xfrm>
+          <a:custGeom>
+            <a:avLst/>
+            <a:gdLst/>
+            <a:ahLst/>
+            <a:cxnLst/>
+            <a:rect l="l" t="t" r="r" b="b"/>
+            <a:pathLst>
+              <a:path w="120000" h="120000" extrusionOk="0">
+                <a:moveTo>
+                  <a:pt x="0" y="0"/>
+                </a:moveTo>
+                <a:lnTo>
+                  <a:pt x="120000" y="0"/>
+                </a:lnTo>
+                <a:lnTo>
+                  <a:pt x="120000" y="120000"/>
+                </a:lnTo>
+                <a:lnTo>
+                  <a:pt x="0" y="120000"/>
+                </a:lnTo>
+                <a:close/>
+              </a:path>
+            </a:pathLst>
+          </a:custGeom>
+        </p:spPr>
+      </p:sp>
+    </p:spTree>
+  </p:cSld>
+  <p:clrMapOvr>
+    <a:masterClrMapping/>
+  </p:clrMapOvr>
+</p:notes>
+</file>
+
+<file path=ppt/notesSlides/notesSlide5.xml><?xml version="1.0" encoding="utf-8"?>
+<p:notes xmlns:a="http://schemas.openxmlformats.org/drawingml/2006/main" xmlns:r="http://schemas.openxmlformats.org/officeDocument/2006/relationships" xmlns:p="http://schemas.openxmlformats.org/presentationml/2006/main" showMasterSp="0" showMasterPhAnim="0">
+  <p:cSld>
+    <p:spTree>
+      <p:nvGrpSpPr>
         <p:cNvPr id="1" name="Shape 190"/>
         <p:cNvGrpSpPr/>
         <p:nvPr/>
@@ -1868,7 +1974,7 @@
 </p:notes>
 </file>
 
-<file path=ppt/notesSlides/notesSlide5.xml><?xml version="1.0" encoding="utf-8"?>
+<file path=ppt/notesSlides/notesSlide6.xml><?xml version="1.0" encoding="utf-8"?>
 <p:notes xmlns:a="http://schemas.openxmlformats.org/drawingml/2006/main" xmlns:r="http://schemas.openxmlformats.org/officeDocument/2006/relationships" xmlns:p="http://schemas.openxmlformats.org/presentationml/2006/main" showMasterSp="0" showMasterPhAnim="0">
   <p:cSld>
     <p:spTree>
@@ -1972,7 +2078,7 @@
 </p:notes>
 </file>
 
-<file path=ppt/notesSlides/notesSlide6.xml><?xml version="1.0" encoding="utf-8"?>
+<file path=ppt/notesSlides/notesSlide7.xml><?xml version="1.0" encoding="utf-8"?>
 <p:notes xmlns:a="http://schemas.openxmlformats.org/drawingml/2006/main" xmlns:r="http://schemas.openxmlformats.org/officeDocument/2006/relationships" xmlns:p="http://schemas.openxmlformats.org/presentationml/2006/main" showMasterSp="0" showMasterPhAnim="0">
   <p:cSld>
     <p:spTree>
@@ -8895,8 +9001,8 @@
         </p:nvSpPr>
         <p:spPr>
           <a:xfrm>
-            <a:off x="228600" y="2411551"/>
-            <a:ext cx="4876800" cy="1754326"/>
+            <a:off x="228600" y="1905000"/>
+            <a:ext cx="4876800" cy="3108543"/>
           </a:xfrm>
           <a:prstGeom prst="rect">
             <a:avLst/>
@@ -8914,7 +9020,7 @@
               <a:buChar char="•"/>
             </a:pPr>
             <a:r>
-              <a:rPr lang="en-US" sz="1800" dirty="0" smtClean="0">
+              <a:rPr lang="en-US" sz="2800" dirty="0" smtClean="0">
                 <a:solidFill>
                   <a:schemeClr val="bg1"/>
                 </a:solidFill>
@@ -8928,7 +9034,7 @@
               <a:buChar char="•"/>
             </a:pPr>
             <a:r>
-              <a:rPr lang="en-US" sz="1800" dirty="0" smtClean="0">
+              <a:rPr lang="en-US" sz="2800" dirty="0" smtClean="0">
                 <a:solidFill>
                   <a:schemeClr val="bg1"/>
                 </a:solidFill>
@@ -8942,49 +9048,22 @@
               <a:buChar char="•"/>
             </a:pPr>
             <a:r>
-              <a:rPr lang="en-US" sz="1800" dirty="0" smtClean="0">
+              <a:rPr lang="en-US" sz="2800" dirty="0" smtClean="0">
                 <a:solidFill>
                   <a:schemeClr val="bg1"/>
                 </a:solidFill>
               </a:rPr>
-              <a:t>Most of our </a:t>
+              <a:t>Most of our potential competitors are located on the west </a:t>
             </a:r>
             <a:r>
-              <a:rPr lang="en-US" sz="1800" dirty="0" smtClean="0">
+              <a:rPr lang="en-US" sz="2800" dirty="0" smtClean="0">
                 <a:solidFill>
                   <a:schemeClr val="bg1"/>
                 </a:solidFill>
               </a:rPr>
-              <a:t>potential competitors are located on the west coast</a:t>
+              <a:t>coast</a:t>
             </a:r>
-            <a:endParaRPr lang="en-US" sz="1800" dirty="0" smtClean="0">
-              <a:solidFill>
-                <a:schemeClr val="bg1"/>
-              </a:solidFill>
-            </a:endParaRPr>
-          </a:p>
-          <a:p>
-            <a:pPr marL="285750" indent="-285750">
-              <a:buFont typeface="Arial" panose="020B0604020202020204" pitchFamily="34" charset="0"/>
-              <a:buChar char="•"/>
-            </a:pPr>
-            <a:r>
-              <a:rPr lang="en-US" sz="1800" dirty="0" smtClean="0">
-                <a:solidFill>
-                  <a:schemeClr val="bg1"/>
-                </a:solidFill>
-              </a:rPr>
-              <a:t>The most popular beer type in terms of number of type manufactured are </a:t>
-            </a:r>
-            <a:r>
-              <a:rPr lang="en-US" sz="1800" dirty="0" smtClean="0">
-                <a:solidFill>
-                  <a:schemeClr val="bg1"/>
-                </a:solidFill>
-              </a:rPr>
-              <a:t>ales</a:t>
-            </a:r>
-            <a:endParaRPr lang="en-US" sz="1800" dirty="0" smtClean="0">
+            <a:endParaRPr lang="en-US" sz="2800" dirty="0" smtClean="0">
               <a:solidFill>
                 <a:schemeClr val="bg1"/>
               </a:solidFill>
@@ -9046,9 +9125,207 @@
           </a:extLst>
         </p:spPr>
       </p:pic>
+    </p:spTree>
+  </p:cSld>
+  <p:clrMapOvr>
+    <a:masterClrMapping/>
+  </p:clrMapOvr>
+</p:sld>
+</file>
+
+<file path=ppt/slides/slide4.xml><?xml version="1.0" encoding="utf-8"?>
+<p:sld xmlns:a="http://schemas.openxmlformats.org/drawingml/2006/main" xmlns:r="http://schemas.openxmlformats.org/officeDocument/2006/relationships" xmlns:p="http://schemas.openxmlformats.org/presentationml/2006/main">
+  <p:cSld>
+    <p:spTree>
+      <p:nvGrpSpPr>
+        <p:cNvPr id="1" name="Shape 261"/>
+        <p:cNvGrpSpPr/>
+        <p:nvPr/>
+      </p:nvGrpSpPr>
+      <p:grpSpPr>
+        <a:xfrm>
+          <a:off x="0" y="0"/>
+          <a:ext cx="0" cy="0"/>
+          <a:chOff x="0" y="0"/>
+          <a:chExt cx="0" cy="0"/>
+        </a:xfrm>
+      </p:grpSpPr>
+      <p:sp>
+        <p:nvSpPr>
+          <p:cNvPr id="262" name="Google Shape;262;p45"/>
+          <p:cNvSpPr txBox="1">
+            <a:spLocks noGrp="1"/>
+          </p:cNvSpPr>
+          <p:nvPr>
+            <p:ph type="subTitle" idx="1"/>
+          </p:nvPr>
+        </p:nvSpPr>
+        <p:spPr>
+          <a:xfrm>
+            <a:off x="2209800" y="381000"/>
+            <a:ext cx="7147034" cy="1416100"/>
+          </a:xfrm>
+          <a:prstGeom prst="rect">
+            <a:avLst/>
+          </a:prstGeom>
+          <a:noFill/>
+          <a:ln>
+            <a:noFill/>
+          </a:ln>
+        </p:spPr>
+        <p:txBody>
+          <a:bodyPr spcFirstLastPara="1" wrap="square" lIns="91425" tIns="45700" rIns="91425" bIns="45700" anchor="ctr" anchorCtr="0">
+            <a:noAutofit/>
+          </a:bodyPr>
+          <a:lstStyle/>
+          <a:p>
+            <a:pPr marL="0" marR="0" lvl="0" indent="0" algn="ctr" rtl="0">
+              <a:lnSpc>
+                <a:spcPct val="90000"/>
+              </a:lnSpc>
+              <a:spcBef>
+                <a:spcPts val="0"/>
+              </a:spcBef>
+              <a:spcAft>
+                <a:spcPts val="0"/>
+              </a:spcAft>
+              <a:buClr>
+                <a:schemeClr val="lt1"/>
+              </a:buClr>
+              <a:buSzPts val="6000"/>
+              <a:buFont typeface="Arial"/>
+              <a:buNone/>
+            </a:pPr>
+            <a:r>
+              <a:rPr lang="en-US" sz="6000" b="1" dirty="0" smtClean="0">
+                <a:solidFill>
+                  <a:schemeClr val="bg1"/>
+                </a:solidFill>
+              </a:rPr>
+              <a:t>Current State</a:t>
+            </a:r>
+            <a:endParaRPr sz="6000" b="1" i="0" u="none" strike="noStrike" cap="none" dirty="0">
+              <a:solidFill>
+                <a:schemeClr val="bg1"/>
+              </a:solidFill>
+              <a:sym typeface="Arial"/>
+            </a:endParaRPr>
+          </a:p>
+        </p:txBody>
+      </p:sp>
+      <p:sp>
+        <p:nvSpPr>
+          <p:cNvPr id="3" name="TextBox 2"/>
+          <p:cNvSpPr txBox="1"/>
+          <p:nvPr/>
+        </p:nvSpPr>
+        <p:spPr>
+          <a:xfrm>
+            <a:off x="609600" y="1828799"/>
+            <a:ext cx="8991600" cy="523220"/>
+          </a:xfrm>
+          <a:prstGeom prst="rect">
+            <a:avLst/>
+          </a:prstGeom>
+          <a:noFill/>
+        </p:spPr>
+        <p:txBody>
+          <a:bodyPr wrap="square" rtlCol="0">
+            <a:spAutoFit/>
+          </a:bodyPr>
+          <a:lstStyle/>
+          <a:p>
+            <a:pPr marL="285750" indent="-285750">
+              <a:buFont typeface="Arial" panose="020B0604020202020204" pitchFamily="34" charset="0"/>
+              <a:buChar char="•"/>
+            </a:pPr>
+            <a:r>
+              <a:rPr lang="en-US" dirty="0" smtClean="0">
+                <a:solidFill>
+                  <a:schemeClr val="bg1"/>
+                </a:solidFill>
+              </a:rPr>
+              <a:t>The most popular beer type in terms of number of type manufactured are </a:t>
+            </a:r>
+            <a:r>
+              <a:rPr lang="en-US" u="sng" dirty="0" smtClean="0">
+                <a:solidFill>
+                  <a:schemeClr val="bg1"/>
+                </a:solidFill>
+              </a:rPr>
+              <a:t>ales</a:t>
+            </a:r>
+          </a:p>
+          <a:p>
+            <a:pPr marL="285750" indent="-285750">
+              <a:buFont typeface="Arial" panose="020B0604020202020204" pitchFamily="34" charset="0"/>
+              <a:buChar char="•"/>
+            </a:pPr>
+            <a:endParaRPr lang="en-US" dirty="0" smtClean="0">
+              <a:solidFill>
+                <a:schemeClr val="bg1"/>
+              </a:solidFill>
+            </a:endParaRPr>
+          </a:p>
+        </p:txBody>
+      </p:sp>
       <p:pic>
         <p:nvPicPr>
-          <p:cNvPr id="1028" name="Picture 4"/>
+          <p:cNvPr id="1027" name="Picture 3"/>
+          <p:cNvPicPr>
+            <a:picLocks noChangeAspect="1" noChangeArrowheads="1"/>
+          </p:cNvPicPr>
+          <p:nvPr/>
+        </p:nvPicPr>
+        <p:blipFill>
+          <a:blip r:embed="rId3">
+            <a:extLst>
+              <a:ext uri="{28A0092B-C50C-407E-A947-70E740481C1C}">
+                <a14:useLocalDpi xmlns:a14="http://schemas.microsoft.com/office/drawing/2010/main" val="0"/>
+              </a:ext>
+            </a:extLst>
+          </a:blip>
+          <a:srcRect/>
+          <a:stretch>
+            <a:fillRect/>
+          </a:stretch>
+        </p:blipFill>
+        <p:spPr bwMode="auto">
+          <a:xfrm>
+            <a:off x="914400" y="3505200"/>
+            <a:ext cx="1952625" cy="2628900"/>
+          </a:xfrm>
+          <a:prstGeom prst="rect">
+            <a:avLst/>
+          </a:prstGeom>
+          <a:noFill/>
+          <a:ln>
+            <a:noFill/>
+          </a:ln>
+          <a:extLst>
+            <a:ext uri="{909E8E84-426E-40DD-AFC4-6F175D3DCCD1}">
+              <a14:hiddenFill xmlns:a14="http://schemas.microsoft.com/office/drawing/2010/main">
+                <a:solidFill>
+                  <a:schemeClr val="accent1"/>
+                </a:solidFill>
+              </a14:hiddenFill>
+            </a:ext>
+            <a:ext uri="{91240B29-F687-4F45-9708-019B960494DF}">
+              <a14:hiddenLine xmlns:a14="http://schemas.microsoft.com/office/drawing/2010/main" w="9525">
+                <a:solidFill>
+                  <a:schemeClr val="tx1"/>
+                </a:solidFill>
+                <a:miter lim="800000"/>
+                <a:headEnd/>
+                <a:tailEnd/>
+              </a14:hiddenLine>
+            </a:ext>
+          </a:extLst>
+        </p:spPr>
+      </p:pic>
+      <p:pic>
+        <p:nvPicPr>
+          <p:cNvPr id="9" name="Picture 4"/>
           <p:cNvPicPr>
             <a:picLocks noChangeAspect="1" noChangeArrowheads="1"/>
           </p:cNvPicPr>
@@ -9069,7 +9346,7 @@
         </p:blipFill>
         <p:spPr bwMode="auto">
           <a:xfrm>
-            <a:off x="438150" y="4495800"/>
+            <a:off x="2743200" y="2352019"/>
             <a:ext cx="4667250" cy="419100"/>
           </a:xfrm>
           <a:prstGeom prst="rect">
@@ -9100,7 +9377,145 @@
           </a:extLst>
         </p:spPr>
       </p:pic>
+      <p:sp>
+        <p:nvSpPr>
+          <p:cNvPr id="4" name="TextBox 3"/>
+          <p:cNvSpPr txBox="1"/>
+          <p:nvPr/>
+        </p:nvSpPr>
+        <p:spPr>
+          <a:xfrm>
+            <a:off x="533400" y="2895600"/>
+            <a:ext cx="6248400" cy="738664"/>
+          </a:xfrm>
+          <a:prstGeom prst="rect">
+            <a:avLst/>
+          </a:prstGeom>
+          <a:noFill/>
+        </p:spPr>
+        <p:txBody>
+          <a:bodyPr wrap="square" rtlCol="0">
+            <a:spAutoFit/>
+          </a:bodyPr>
+          <a:lstStyle/>
+          <a:p>
+            <a:pPr marL="285750" indent="-285750">
+              <a:buFont typeface="Arial" panose="020B0604020202020204" pitchFamily="34" charset="0"/>
+              <a:buChar char="•"/>
+            </a:pPr>
+            <a:r>
+              <a:rPr lang="en-US" dirty="0" smtClean="0">
+                <a:solidFill>
+                  <a:schemeClr val="bg1"/>
+                </a:solidFill>
+              </a:rPr>
+              <a:t>Average ounce for beer sold is 13.6</a:t>
+            </a:r>
+          </a:p>
+          <a:p>
+            <a:pPr marL="285750" indent="-285750">
+              <a:buFont typeface="Arial" panose="020B0604020202020204" pitchFamily="34" charset="0"/>
+              <a:buChar char="•"/>
+            </a:pPr>
+            <a:r>
+              <a:rPr lang="en-US" dirty="0" smtClean="0">
+                <a:solidFill>
+                  <a:schemeClr val="bg1"/>
+                </a:solidFill>
+              </a:rPr>
+              <a:t>Top </a:t>
+            </a:r>
+            <a:r>
+              <a:rPr lang="en-US" dirty="0">
+                <a:solidFill>
+                  <a:schemeClr val="bg1"/>
+                </a:solidFill>
+              </a:rPr>
+              <a:t>beer manufacturing </a:t>
+            </a:r>
+            <a:r>
+              <a:rPr lang="en-US" dirty="0" smtClean="0">
+                <a:solidFill>
+                  <a:schemeClr val="bg1"/>
+                </a:solidFill>
+              </a:rPr>
+              <a:t>states                  Top beer manufacturing cities</a:t>
+            </a:r>
+            <a:endParaRPr lang="en-US" dirty="0">
+              <a:solidFill>
+                <a:schemeClr val="bg1"/>
+              </a:solidFill>
+            </a:endParaRPr>
+          </a:p>
+          <a:p>
+            <a:endParaRPr lang="en-US" dirty="0">
+              <a:solidFill>
+                <a:schemeClr val="bg1"/>
+              </a:solidFill>
+            </a:endParaRPr>
+          </a:p>
+        </p:txBody>
+      </p:sp>
+      <p:pic>
+        <p:nvPicPr>
+          <p:cNvPr id="1029" name="Picture 5"/>
+          <p:cNvPicPr>
+            <a:picLocks noChangeAspect="1" noChangeArrowheads="1"/>
+          </p:cNvPicPr>
+          <p:nvPr/>
+        </p:nvPicPr>
+        <p:blipFill>
+          <a:blip r:embed="rId5">
+            <a:extLst>
+              <a:ext uri="{28A0092B-C50C-407E-A947-70E740481C1C}">
+                <a14:useLocalDpi xmlns:a14="http://schemas.microsoft.com/office/drawing/2010/main" val="0"/>
+              </a:ext>
+            </a:extLst>
+          </a:blip>
+          <a:srcRect/>
+          <a:stretch>
+            <a:fillRect/>
+          </a:stretch>
+        </p:blipFill>
+        <p:spPr bwMode="auto">
+          <a:xfrm>
+            <a:off x="3962400" y="3505200"/>
+            <a:ext cx="2705100" cy="2581275"/>
+          </a:xfrm>
+          <a:prstGeom prst="rect">
+            <a:avLst/>
+          </a:prstGeom>
+          <a:noFill/>
+          <a:ln>
+            <a:noFill/>
+          </a:ln>
+          <a:extLst>
+            <a:ext uri="{909E8E84-426E-40DD-AFC4-6F175D3DCCD1}">
+              <a14:hiddenFill xmlns:a14="http://schemas.microsoft.com/office/drawing/2010/main">
+                <a:solidFill>
+                  <a:schemeClr val="accent1"/>
+                </a:solidFill>
+              </a14:hiddenFill>
+            </a:ext>
+            <a:ext uri="{91240B29-F687-4F45-9708-019B960494DF}">
+              <a14:hiddenLine xmlns:a14="http://schemas.microsoft.com/office/drawing/2010/main" w="9525">
+                <a:solidFill>
+                  <a:schemeClr val="tx1"/>
+                </a:solidFill>
+                <a:miter lim="800000"/>
+                <a:headEnd/>
+                <a:tailEnd/>
+              </a14:hiddenLine>
+            </a:ext>
+          </a:extLst>
+        </p:spPr>
+      </p:pic>
     </p:spTree>
+    <p:extLst>
+      <p:ext uri="{BB962C8B-B14F-4D97-AF65-F5344CB8AC3E}">
+        <p14:creationId xmlns:p14="http://schemas.microsoft.com/office/powerpoint/2010/main" val="992582701"/>
+      </p:ext>
+    </p:extLst>
   </p:cSld>
   <p:clrMapOvr>
     <a:masterClrMapping/>
@@ -9108,7 +9523,129 @@
 </p:sld>
 </file>
 
-<file path=ppt/slides/slide4.xml><?xml version="1.0" encoding="utf-8"?>
+<file path=ppt/slides/slide5.xml><?xml version="1.0" encoding="utf-8"?>
+<p:sld xmlns:a="http://schemas.openxmlformats.org/drawingml/2006/main" xmlns:r="http://schemas.openxmlformats.org/officeDocument/2006/relationships" xmlns:p="http://schemas.openxmlformats.org/presentationml/2006/main">
+  <p:cSld>
+    <p:spTree>
+      <p:nvGrpSpPr>
+        <p:cNvPr id="1" name=""/>
+        <p:cNvGrpSpPr/>
+        <p:nvPr/>
+      </p:nvGrpSpPr>
+      <p:grpSpPr>
+        <a:xfrm>
+          <a:off x="0" y="0"/>
+          <a:ext cx="0" cy="0"/>
+          <a:chOff x="0" y="0"/>
+          <a:chExt cx="0" cy="0"/>
+        </a:xfrm>
+      </p:grpSpPr>
+      <p:pic>
+        <p:nvPicPr>
+          <p:cNvPr id="2050" name="Picture 2"/>
+          <p:cNvPicPr>
+            <a:picLocks noChangeAspect="1" noChangeArrowheads="1"/>
+          </p:cNvPicPr>
+          <p:nvPr/>
+        </p:nvPicPr>
+        <p:blipFill>
+          <a:blip r:embed="rId2">
+            <a:extLst>
+              <a:ext uri="{28A0092B-C50C-407E-A947-70E740481C1C}">
+                <a14:useLocalDpi xmlns:a14="http://schemas.microsoft.com/office/drawing/2010/main" val="0"/>
+              </a:ext>
+            </a:extLst>
+          </a:blip>
+          <a:srcRect/>
+          <a:stretch>
+            <a:fillRect/>
+          </a:stretch>
+        </p:blipFill>
+        <p:spPr bwMode="auto">
+          <a:xfrm>
+            <a:off x="1066800" y="762000"/>
+            <a:ext cx="8695003" cy="5943600"/>
+          </a:xfrm>
+          <a:prstGeom prst="rect">
+            <a:avLst/>
+          </a:prstGeom>
+          <a:noFill/>
+          <a:ln>
+            <a:noFill/>
+          </a:ln>
+          <a:extLst>
+            <a:ext uri="{909E8E84-426E-40DD-AFC4-6F175D3DCCD1}">
+              <a14:hiddenFill xmlns:a14="http://schemas.microsoft.com/office/drawing/2010/main">
+                <a:solidFill>
+                  <a:schemeClr val="accent1"/>
+                </a:solidFill>
+              </a14:hiddenFill>
+            </a:ext>
+            <a:ext uri="{91240B29-F687-4F45-9708-019B960494DF}">
+              <a14:hiddenLine xmlns:a14="http://schemas.microsoft.com/office/drawing/2010/main" w="9525">
+                <a:solidFill>
+                  <a:schemeClr val="tx1"/>
+                </a:solidFill>
+                <a:miter lim="800000"/>
+                <a:headEnd/>
+                <a:tailEnd/>
+              </a14:hiddenLine>
+            </a:ext>
+          </a:extLst>
+        </p:spPr>
+      </p:pic>
+      <p:sp>
+        <p:nvSpPr>
+          <p:cNvPr id="5" name="TextBox 4"/>
+          <p:cNvSpPr txBox="1"/>
+          <p:nvPr/>
+        </p:nvSpPr>
+        <p:spPr>
+          <a:xfrm>
+            <a:off x="4038600" y="221756"/>
+            <a:ext cx="7010400" cy="461665"/>
+          </a:xfrm>
+          <a:prstGeom prst="rect">
+            <a:avLst/>
+          </a:prstGeom>
+          <a:noFill/>
+        </p:spPr>
+        <p:txBody>
+          <a:bodyPr wrap="square" rtlCol="0">
+            <a:spAutoFit/>
+          </a:bodyPr>
+          <a:lstStyle/>
+          <a:p>
+            <a:r>
+              <a:rPr lang="en-US" sz="2400" dirty="0" smtClean="0">
+                <a:solidFill>
+                  <a:schemeClr val="bg1"/>
+                </a:solidFill>
+              </a:rPr>
+              <a:t>Breweries per state</a:t>
+            </a:r>
+            <a:endParaRPr lang="en-US" sz="2400" dirty="0">
+              <a:solidFill>
+                <a:schemeClr val="bg1"/>
+              </a:solidFill>
+            </a:endParaRPr>
+          </a:p>
+        </p:txBody>
+      </p:sp>
+    </p:spTree>
+    <p:extLst>
+      <p:ext uri="{BB962C8B-B14F-4D97-AF65-F5344CB8AC3E}">
+        <p14:creationId xmlns:p14="http://schemas.microsoft.com/office/powerpoint/2010/main" val="2594062167"/>
+      </p:ext>
+    </p:extLst>
+  </p:cSld>
+  <p:clrMapOvr>
+    <a:masterClrMapping/>
+  </p:clrMapOvr>
+</p:sld>
+</file>
+
+<file path=ppt/slides/slide6.xml><?xml version="1.0" encoding="utf-8"?>
 <p:sld xmlns:a="http://schemas.openxmlformats.org/drawingml/2006/main" xmlns:r="http://schemas.openxmlformats.org/officeDocument/2006/relationships" xmlns:p="http://schemas.openxmlformats.org/presentationml/2006/main">
   <p:cSld>
     <p:spTree>
@@ -9269,15 +9806,7 @@
                   <a:schemeClr val="bg1"/>
                 </a:solidFill>
               </a:rPr>
-              <a:t>We will start with the average alcohol content rounded at 6</a:t>
-            </a:r>
-            <a:r>
-              <a:rPr lang="en-US" dirty="0" smtClean="0">
-                <a:solidFill>
-                  <a:schemeClr val="bg1"/>
-                </a:solidFill>
-              </a:rPr>
-              <a:t>% for all beers</a:t>
+              <a:t>We will start with the average alcohol content rounded at 6% for all beers</a:t>
             </a:r>
             <a:endParaRPr lang="en-US" dirty="0">
               <a:solidFill>
@@ -9318,7 +9847,15 @@
                   <a:schemeClr val="bg1"/>
                 </a:solidFill>
               </a:rPr>
-              <a:t>Our highest alcohol content sits at 12.8% and lowest at less .1%</a:t>
+              <a:t>Our highest alcohol content sits at 12.8% and lowest at less .1</a:t>
+            </a:r>
+            <a:r>
+              <a:rPr lang="en-US" dirty="0" smtClean="0">
+                <a:solidFill>
+                  <a:schemeClr val="bg1"/>
+                </a:solidFill>
+              </a:rPr>
+              <a:t>%</a:t>
             </a:r>
             <a:endParaRPr lang="en-US" dirty="0">
               <a:solidFill>
@@ -9401,7 +9938,7 @@
 </p:sld>
 </file>
 
-<file path=ppt/slides/slide5.xml><?xml version="1.0" encoding="utf-8"?>
+<file path=ppt/slides/slide7.xml><?xml version="1.0" encoding="utf-8"?>
 <p:sld xmlns:a="http://schemas.openxmlformats.org/drawingml/2006/main" xmlns:r="http://schemas.openxmlformats.org/officeDocument/2006/relationships" xmlns:p="http://schemas.openxmlformats.org/presentationml/2006/main">
   <p:cSld>
     <p:spTree>
@@ -9658,7 +10195,7 @@
 </p:sld>
 </file>
 
-<file path=ppt/slides/slide6.xml><?xml version="1.0" encoding="utf-8"?>
+<file path=ppt/slides/slide8.xml><?xml version="1.0" encoding="utf-8"?>
 <p:sld xmlns:a="http://schemas.openxmlformats.org/drawingml/2006/main" xmlns:r="http://schemas.openxmlformats.org/officeDocument/2006/relationships" xmlns:p="http://schemas.openxmlformats.org/presentationml/2006/main">
   <p:cSld>
     <p:spTree>
